--- a/img/cbc.pptx
+++ b/img/cbc.pptx
@@ -151,7 +151,7 @@
       </p14:sectionLst>
     </p:ext>
     <p:ext uri="{EFAFB233-063F-42B5-8137-9DF3F51BA10A}">
-      <p15:sldGuideLst xmlns="" xmlns:p15="http://schemas.microsoft.com/office/powerpoint/2012/main">
+      <p15:sldGuideLst xmlns:p15="http://schemas.microsoft.com/office/powerpoint/2012/main" xmlns="">
         <p15:guide id="1" orient="horz" pos="2160">
           <p15:clr>
             <a:srgbClr val="A4A3A4"/>
@@ -165,7 +165,7 @@
       </p15:sldGuideLst>
     </p:ext>
     <p:ext uri="{2D200454-40CA-4A62-9FC3-DE9A4176ACB9}">
-      <p15:notesGuideLst xmlns="" xmlns:p15="http://schemas.microsoft.com/office/powerpoint/2012/main">
+      <p15:notesGuideLst xmlns:p15="http://schemas.microsoft.com/office/powerpoint/2012/main" xmlns="">
         <p15:guide id="1" orient="horz" pos="3223">
           <p15:clr>
             <a:srgbClr val="A4A3A4"/>
@@ -1997,7 +1997,7 @@
             <p:spPr>
               <a:xfrm>
                 <a:off x="882183" y="1845939"/>
-                <a:ext cx="327145" cy="228183"/>
+                <a:ext cx="327145" cy="205100"/>
               </a:xfrm>
               <a:prstGeom prst="rect">
                 <a:avLst/>
@@ -2016,7 +2016,7 @@
               </a:bodyPr>
               <a:lstStyle/>
               <a:p>
-                <a:pPr/>
+                <a:pPr algn="ctr"/>
                 <a14:m>
                   <m:oMathPara xmlns:m="http://schemas.openxmlformats.org/officeDocument/2006/math">
                     <m:oMathParaPr>
@@ -2024,19 +2024,22 @@
                     </m:oMathParaPr>
                     <m:oMath xmlns:m="http://schemas.openxmlformats.org/officeDocument/2006/math">
                       <m:r>
-                        <a:rPr lang="en-US" altLang="ja-JP" sz="1200" b="0" i="1" smtClean="0">
+                        <m:rPr>
+                          <m:sty m:val="p"/>
+                        </m:rPr>
+                        <a:rPr lang="en-US" altLang="ja-JP" sz="1050" b="0" i="0" smtClean="0">
                           <a:latin typeface="Cambria Math"/>
-                          <a:ea typeface="ＭＳ ゴシック" pitchFamily="49" charset="-128"/>
+                          <a:ea typeface="HG丸ｺﾞｼｯｸM-PRO" panose="020F0600000000000000" pitchFamily="50" charset="-128"/>
                           <a:cs typeface="Courier New" pitchFamily="49" charset="0"/>
                         </a:rPr>
-                        <m:t>𝐼𝑉</m:t>
+                        <m:t>IV</m:t>
                       </m:r>
                     </m:oMath>
                   </m:oMathPara>
                 </a14:m>
-                <a:endParaRPr lang="ja-JP" altLang="en-US" sz="1200">
-                  <a:latin typeface="Courier New" pitchFamily="49" charset="0"/>
-                  <a:ea typeface="ＭＳ ゴシック" pitchFamily="49" charset="-128"/>
+                <a:endParaRPr lang="ja-JP" altLang="en-US" sz="1050">
+                  <a:latin typeface="HG丸ｺﾞｼｯｸM-PRO" panose="020F0600000000000000" pitchFamily="50" charset="-128"/>
+                  <a:ea typeface="HG丸ｺﾞｼｯｸM-PRO" panose="020F0600000000000000" pitchFamily="50" charset="-128"/>
                   <a:cs typeface="Courier New" pitchFamily="49" charset="0"/>
                 </a:endParaRPr>
               </a:p>
@@ -2055,7 +2058,7 @@
             <p:spPr>
               <a:xfrm>
                 <a:off x="882183" y="1845939"/>
-                <a:ext cx="327145" cy="228183"/>
+                <a:ext cx="327145" cy="205100"/>
               </a:xfrm>
               <a:prstGeom prst="rect">
                 <a:avLst/>
@@ -2099,7 +2102,7 @@
             <p:spPr>
               <a:xfrm>
                 <a:off x="1421904" y="1485900"/>
-                <a:ext cx="327145" cy="228183"/>
+                <a:ext cx="327145" cy="205100"/>
               </a:xfrm>
               <a:prstGeom prst="rect">
                 <a:avLst/>
@@ -2128,7 +2131,7 @@
                       <m:sSub>
                         <m:sSubPr>
                           <m:ctrlPr>
-                            <a:rPr lang="en-US" altLang="ja-JP" sz="1200" b="0" i="1" smtClean="0">
+                            <a:rPr lang="en-US" altLang="ja-JP" sz="1050" b="0" i="1" smtClean="0">
                               <a:latin typeface="Cambria Math"/>
                               <a:ea typeface="ＭＳ ゴシック" pitchFamily="49" charset="-128"/>
                               <a:cs typeface="Courier New" pitchFamily="49" charset="0"/>
@@ -2137,7 +2140,7 @@
                         </m:sSubPr>
                         <m:e>
                           <m:r>
-                            <a:rPr lang="en-US" altLang="ja-JP" sz="1200" b="0" i="1" smtClean="0">
+                            <a:rPr lang="en-US" altLang="ja-JP" sz="1050" b="0" i="1" smtClean="0">
                               <a:latin typeface="Cambria Math"/>
                               <a:ea typeface="ＭＳ ゴシック" pitchFamily="49" charset="-128"/>
                               <a:cs typeface="Courier New" pitchFamily="49" charset="0"/>
@@ -2147,7 +2150,7 @@
                         </m:e>
                         <m:sub>
                           <m:r>
-                            <a:rPr lang="en-US" altLang="ja-JP" sz="1200" b="0" i="1" smtClean="0">
+                            <a:rPr lang="en-US" altLang="ja-JP" sz="1050" b="0" i="1" smtClean="0">
                               <a:latin typeface="Cambria Math"/>
                               <a:ea typeface="ＭＳ ゴシック" pitchFamily="49" charset="-128"/>
                               <a:cs typeface="Courier New" pitchFamily="49" charset="0"/>
@@ -2159,7 +2162,7 @@
                     </m:oMath>
                   </m:oMathPara>
                 </a14:m>
-                <a:endParaRPr lang="ja-JP" altLang="en-US" sz="1200">
+                <a:endParaRPr lang="ja-JP" altLang="en-US" sz="1050">
                   <a:latin typeface="Courier New" pitchFamily="49" charset="0"/>
                   <a:ea typeface="ＭＳ ゴシック" pitchFamily="49" charset="-128"/>
                   <a:cs typeface="Courier New" pitchFamily="49" charset="0"/>
@@ -2180,7 +2183,7 @@
             <p:spPr>
               <a:xfrm>
                 <a:off x="1421904" y="1485900"/>
-                <a:ext cx="327145" cy="228183"/>
+                <a:ext cx="327145" cy="205100"/>
               </a:xfrm>
               <a:prstGeom prst="rect">
                 <a:avLst/>
@@ -2224,7 +2227,7 @@
             <p:spPr>
               <a:xfrm>
                 <a:off x="1421904" y="1845940"/>
-                <a:ext cx="327145" cy="228183"/>
+                <a:ext cx="327145" cy="205100"/>
               </a:xfrm>
               <a:prstGeom prst="rect">
                 <a:avLst/>
@@ -2249,7 +2252,7 @@
                     </m:oMathParaPr>
                     <m:oMath xmlns:m="http://schemas.openxmlformats.org/officeDocument/2006/math">
                       <m:r>
-                        <a:rPr lang="en-US" altLang="ja-JP" sz="1200" b="0" i="1" smtClean="0">
+                        <a:rPr lang="en-US" altLang="ja-JP" sz="1050" b="0" i="1" smtClean="0">
                           <a:latin typeface="Cambria Math"/>
                           <a:ea typeface="ＭＳ ゴシック" pitchFamily="49" charset="-128"/>
                           <a:cs typeface="Courier New" pitchFamily="49" charset="0"/>
@@ -2259,7 +2262,7 @@
                     </m:oMath>
                   </m:oMathPara>
                 </a14:m>
-                <a:endParaRPr lang="ja-JP" altLang="en-US" sz="1200">
+                <a:endParaRPr lang="ja-JP" altLang="en-US" sz="1050">
                   <a:latin typeface="Courier New" pitchFamily="49" charset="0"/>
                   <a:ea typeface="ＭＳ ゴシック" pitchFamily="49" charset="-128"/>
                   <a:cs typeface="Courier New" pitchFamily="49" charset="0"/>
@@ -2280,7 +2283,7 @@
             <p:spPr>
               <a:xfrm>
                 <a:off x="1421904" y="1845940"/>
-                <a:ext cx="327145" cy="228183"/>
+                <a:ext cx="327145" cy="205100"/>
               </a:xfrm>
               <a:prstGeom prst="rect">
                 <a:avLst/>
@@ -2288,7 +2291,7 @@
               <a:blipFill rotWithShape="1">
                 <a:blip r:embed="rId4"/>
                 <a:stretch>
-                  <a:fillRect b="-5405"/>
+                  <a:fillRect b="-9091"/>
                 </a:stretch>
               </a:blipFill>
               <a:ln w="9525" cap="rnd">
@@ -2359,7 +2362,7 @@
             <p:spPr>
               <a:xfrm>
                 <a:off x="1421904" y="2625869"/>
-                <a:ext cx="327145" cy="228183"/>
+                <a:ext cx="327145" cy="205100"/>
               </a:xfrm>
               <a:prstGeom prst="rect">
                 <a:avLst/>
@@ -2388,7 +2391,7 @@
                       <m:sSub>
                         <m:sSubPr>
                           <m:ctrlPr>
-                            <a:rPr lang="en-US" altLang="ja-JP" sz="1200" b="0" i="1" smtClean="0">
+                            <a:rPr lang="en-US" altLang="ja-JP" sz="1050" b="0" i="1" smtClean="0">
                               <a:latin typeface="Cambria Math"/>
                               <a:ea typeface="ＭＳ ゴシック" pitchFamily="49" charset="-128"/>
                               <a:cs typeface="Courier New" pitchFamily="49" charset="0"/>
@@ -2397,7 +2400,7 @@
                         </m:sSubPr>
                         <m:e>
                           <m:r>
-                            <a:rPr lang="en-US" altLang="ja-JP" sz="1200" b="0" i="1" smtClean="0">
+                            <a:rPr lang="en-US" altLang="ja-JP" sz="1050" b="0" i="1" smtClean="0">
                               <a:latin typeface="Cambria Math"/>
                               <a:ea typeface="ＭＳ ゴシック" pitchFamily="49" charset="-128"/>
                               <a:cs typeface="Courier New" pitchFamily="49" charset="0"/>
@@ -2407,7 +2410,7 @@
                         </m:e>
                         <m:sub>
                           <m:r>
-                            <a:rPr lang="en-US" altLang="ja-JP" sz="1200" b="0" i="1" smtClean="0">
+                            <a:rPr lang="en-US" altLang="ja-JP" sz="1050" b="0" i="1" smtClean="0">
                               <a:latin typeface="Cambria Math"/>
                               <a:ea typeface="ＭＳ ゴシック" pitchFamily="49" charset="-128"/>
                               <a:cs typeface="Courier New" pitchFamily="49" charset="0"/>
@@ -2419,7 +2422,7 @@
                     </m:oMath>
                   </m:oMathPara>
                 </a14:m>
-                <a:endParaRPr lang="ja-JP" altLang="en-US" sz="1200">
+                <a:endParaRPr lang="ja-JP" altLang="en-US" sz="1050">
                   <a:latin typeface="Courier New" pitchFamily="49" charset="0"/>
                   <a:ea typeface="ＭＳ ゴシック" pitchFamily="49" charset="-128"/>
                   <a:cs typeface="Courier New" pitchFamily="49" charset="0"/>
@@ -2440,7 +2443,7 @@
             <p:spPr>
               <a:xfrm>
                 <a:off x="1421904" y="2625869"/>
-                <a:ext cx="327145" cy="228183"/>
+                <a:ext cx="327145" cy="205100"/>
               </a:xfrm>
               <a:prstGeom prst="rect">
                 <a:avLst/>
@@ -2523,18 +2526,28 @@
                     </m:oMathParaPr>
                     <m:oMath xmlns:m="http://schemas.openxmlformats.org/officeDocument/2006/math">
                       <m:r>
-                        <a:rPr kumimoji="1" lang="en-US" altLang="ja-JP" sz="1200" b="0" i="1" smtClean="0">
+                        <m:rPr>
+                          <m:sty m:val="p"/>
+                        </m:rPr>
+                        <a:rPr kumimoji="1" lang="en-US" altLang="ja-JP" sz="1050" b="0" i="0" smtClean="0">
                           <a:solidFill>
                             <a:schemeClr val="tx1"/>
                           </a:solidFill>
                           <a:latin typeface="Cambria Math"/>
+                          <a:ea typeface="HG丸ｺﾞｼｯｸM-PRO" panose="020F0600000000000000" pitchFamily="50" charset="-128"/>
                         </a:rPr>
-                        <m:t>𝐸𝑛𝑐</m:t>
+                        <m:t>Enc</m:t>
                       </m:r>
                     </m:oMath>
                   </m:oMathPara>
                 </a14:m>
-                <a:endParaRPr kumimoji="1" lang="ja-JP" altLang="en-US"/>
+                <a:endParaRPr kumimoji="1" lang="ja-JP" altLang="en-US" sz="1050">
+                  <a:solidFill>
+                    <a:schemeClr val="tx1"/>
+                  </a:solidFill>
+                  <a:latin typeface="HG丸ｺﾞｼｯｸM-PRO" panose="020F0600000000000000" pitchFamily="50" charset="-128"/>
+                  <a:ea typeface="HG丸ｺﾞｼｯｸM-PRO" panose="020F0600000000000000" pitchFamily="50" charset="-128"/>
+                </a:endParaRPr>
               </a:p>
             </p:txBody>
           </p:sp>
@@ -2559,7 +2572,7 @@
               <a:blipFill rotWithShape="1">
                 <a:blip r:embed="rId6"/>
                 <a:stretch>
-                  <a:fillRect l="-5000"/>
+                  <a:fillRect/>
                 </a:stretch>
               </a:blipFill>
               <a:ln w="6350">
@@ -2671,9 +2684,9 @@
         <p:grpSpPr>
           <a:xfrm>
             <a:off x="1749049" y="1485900"/>
-            <a:ext cx="752975" cy="1368152"/>
+            <a:ext cx="752975" cy="1345069"/>
             <a:chOff x="1317001" y="1557908"/>
-            <a:chExt cx="752975" cy="1368152"/>
+            <a:chExt cx="752975" cy="1345069"/>
           </a:xfrm>
         </p:grpSpPr>
         <p:grpSp>
@@ -2685,13 +2698,13 @@
           <p:grpSpPr>
             <a:xfrm>
               <a:off x="1516019" y="1557908"/>
-              <a:ext cx="553957" cy="1368152"/>
+              <a:ext cx="553957" cy="1345069"/>
               <a:chOff x="1516019" y="1557908"/>
-              <a:chExt cx="553957" cy="1368152"/>
+              <a:chExt cx="553957" cy="1345069"/>
             </a:xfrm>
           </p:grpSpPr>
-          <mc:AlternateContent xmlns:mc="http://schemas.openxmlformats.org/markup-compatibility/2006">
-            <mc:Choice xmlns:a14="http://schemas.microsoft.com/office/drawing/2010/main" Requires="a14">
+          <mc:AlternateContent xmlns:mc="http://schemas.openxmlformats.org/markup-compatibility/2006" xmlns:a14="http://schemas.microsoft.com/office/drawing/2010/main">
+            <mc:Choice Requires="a14">
               <p:sp>
                 <p:nvSpPr>
                   <p:cNvPr id="10" name="テキスト ボックス 9"/>
@@ -2701,7 +2714,7 @@
                 <p:spPr>
                   <a:xfrm>
                     <a:off x="1709936" y="1557908"/>
-                    <a:ext cx="327145" cy="228183"/>
+                    <a:ext cx="327145" cy="205100"/>
                   </a:xfrm>
                   <a:prstGeom prst="rect">
                     <a:avLst/>
@@ -2730,7 +2743,7 @@
                           <m:sSub>
                             <m:sSubPr>
                               <m:ctrlPr>
-                                <a:rPr lang="en-US" altLang="ja-JP" sz="1200" b="0" i="1" smtClean="0">
+                                <a:rPr lang="en-US" altLang="ja-JP" sz="1050" b="0" i="1" smtClean="0">
                                   <a:latin typeface="Cambria Math"/>
                                   <a:ea typeface="ＭＳ ゴシック" pitchFamily="49" charset="-128"/>
                                   <a:cs typeface="Courier New" pitchFamily="49" charset="0"/>
@@ -2739,7 +2752,7 @@
                             </m:sSubPr>
                             <m:e>
                               <m:r>
-                                <a:rPr lang="en-US" altLang="ja-JP" sz="1200" b="0" i="1" smtClean="0">
+                                <a:rPr lang="en-US" altLang="ja-JP" sz="1050" b="0" i="1" smtClean="0">
                                   <a:latin typeface="Cambria Math"/>
                                   <a:ea typeface="ＭＳ ゴシック" pitchFamily="49" charset="-128"/>
                                   <a:cs typeface="Courier New" pitchFamily="49" charset="0"/>
@@ -2749,7 +2762,7 @@
                             </m:e>
                             <m:sub>
                               <m:r>
-                                <a:rPr lang="en-US" altLang="ja-JP" sz="1200" b="0" i="1" smtClean="0">
+                                <a:rPr lang="en-US" altLang="ja-JP" sz="1050" b="0" i="1" smtClean="0">
                                   <a:latin typeface="Cambria Math"/>
                                   <a:ea typeface="ＭＳ ゴシック" pitchFamily="49" charset="-128"/>
                                   <a:cs typeface="Courier New" pitchFamily="49" charset="0"/>
@@ -2761,7 +2774,7 @@
                         </m:oMath>
                       </m:oMathPara>
                     </a14:m>
-                    <a:endParaRPr lang="ja-JP" altLang="en-US" sz="1200">
+                    <a:endParaRPr lang="ja-JP" altLang="en-US" sz="1050">
                       <a:latin typeface="Courier New" pitchFamily="49" charset="0"/>
                       <a:ea typeface="ＭＳ ゴシック" pitchFamily="49" charset="-128"/>
                       <a:cs typeface="Courier New" pitchFamily="49" charset="0"/>
@@ -2770,7 +2783,7 @@
                 </p:txBody>
               </p:sp>
             </mc:Choice>
-            <mc:Fallback>
+            <mc:Fallback xmlns="">
               <p:sp>
                 <p:nvSpPr>
                   <p:cNvPr id="10" name="テキスト ボックス 9"/>
@@ -2815,8 +2828,8 @@
               </p:sp>
             </mc:Fallback>
           </mc:AlternateContent>
-          <mc:AlternateContent xmlns:mc="http://schemas.openxmlformats.org/markup-compatibility/2006">
-            <mc:Choice xmlns:a14="http://schemas.microsoft.com/office/drawing/2010/main" Requires="a14">
+          <mc:AlternateContent xmlns:mc="http://schemas.openxmlformats.org/markup-compatibility/2006" xmlns:a14="http://schemas.microsoft.com/office/drawing/2010/main">
+            <mc:Choice Requires="a14">
               <p:sp>
                 <p:nvSpPr>
                   <p:cNvPr id="13" name="テキスト ボックス 12"/>
@@ -2826,7 +2839,7 @@
                 <p:spPr>
                   <a:xfrm>
                     <a:off x="1709936" y="1917948"/>
-                    <a:ext cx="327145" cy="228183"/>
+                    <a:ext cx="327145" cy="205100"/>
                   </a:xfrm>
                   <a:prstGeom prst="rect">
                     <a:avLst/>
@@ -2851,7 +2864,7 @@
                         </m:oMathParaPr>
                         <m:oMath xmlns:m="http://schemas.openxmlformats.org/officeDocument/2006/math">
                           <m:r>
-                            <a:rPr lang="en-US" altLang="ja-JP" sz="1200" b="0" i="1" smtClean="0">
+                            <a:rPr lang="en-US" altLang="ja-JP" sz="1050" b="0" i="1" smtClean="0">
                               <a:latin typeface="Cambria Math"/>
                               <a:ea typeface="ＭＳ ゴシック" pitchFamily="49" charset="-128"/>
                               <a:cs typeface="Courier New" pitchFamily="49" charset="0"/>
@@ -2861,7 +2874,7 @@
                         </m:oMath>
                       </m:oMathPara>
                     </a14:m>
-                    <a:endParaRPr lang="ja-JP" altLang="en-US" sz="1200">
+                    <a:endParaRPr lang="ja-JP" altLang="en-US" sz="1050">
                       <a:latin typeface="Courier New" pitchFamily="49" charset="0"/>
                       <a:ea typeface="ＭＳ ゴシック" pitchFamily="49" charset="-128"/>
                       <a:cs typeface="Courier New" pitchFamily="49" charset="0"/>
@@ -2870,7 +2883,7 @@
                 </p:txBody>
               </p:sp>
             </mc:Choice>
-            <mc:Fallback>
+            <mc:Fallback xmlns="">
               <p:sp>
                 <p:nvSpPr>
                   <p:cNvPr id="13" name="テキスト ボックス 12"/>
@@ -2888,7 +2901,7 @@
                     <a:avLst/>
                   </a:prstGeom>
                   <a:blipFill rotWithShape="1">
-                    <a:blip r:embed="rId4"/>
+                    <a:blip r:embed="rId8"/>
                     <a:stretch>
                       <a:fillRect b="-5405"/>
                     </a:stretch>
@@ -2950,8 +2963,8 @@
               </a:fontRef>
             </p:style>
           </p:cxnSp>
-          <mc:AlternateContent xmlns:mc="http://schemas.openxmlformats.org/markup-compatibility/2006">
-            <mc:Choice xmlns:a14="http://schemas.microsoft.com/office/drawing/2010/main" Requires="a14">
+          <mc:AlternateContent xmlns:mc="http://schemas.openxmlformats.org/markup-compatibility/2006" xmlns:a14="http://schemas.microsoft.com/office/drawing/2010/main">
+            <mc:Choice Requires="a14">
               <p:sp>
                 <p:nvSpPr>
                   <p:cNvPr id="41" name="テキスト ボックス 40"/>
@@ -2961,7 +2974,7 @@
                 <p:spPr>
                   <a:xfrm>
                     <a:off x="1705753" y="2697877"/>
-                    <a:ext cx="327145" cy="228183"/>
+                    <a:ext cx="327145" cy="205100"/>
                   </a:xfrm>
                   <a:prstGeom prst="rect">
                     <a:avLst/>
@@ -2990,7 +3003,7 @@
                           <m:sSub>
                             <m:sSubPr>
                               <m:ctrlPr>
-                                <a:rPr lang="en-US" altLang="ja-JP" sz="1200" b="0" i="1" smtClean="0">
+                                <a:rPr lang="en-US" altLang="ja-JP" sz="1050" b="0" i="1" smtClean="0">
                                   <a:latin typeface="Cambria Math"/>
                                   <a:ea typeface="ＭＳ ゴシック" pitchFamily="49" charset="-128"/>
                                   <a:cs typeface="Courier New" pitchFamily="49" charset="0"/>
@@ -2999,7 +3012,7 @@
                             </m:sSubPr>
                             <m:e>
                               <m:r>
-                                <a:rPr lang="en-US" altLang="ja-JP" sz="1200" b="0" i="1" smtClean="0">
+                                <a:rPr lang="en-US" altLang="ja-JP" sz="1050" b="0" i="1" smtClean="0">
                                   <a:latin typeface="Cambria Math"/>
                                   <a:ea typeface="ＭＳ ゴシック" pitchFamily="49" charset="-128"/>
                                   <a:cs typeface="Courier New" pitchFamily="49" charset="0"/>
@@ -3009,7 +3022,7 @@
                             </m:e>
                             <m:sub>
                               <m:r>
-                                <a:rPr lang="en-US" altLang="ja-JP" sz="1200" b="0" i="1" smtClean="0">
+                                <a:rPr lang="en-US" altLang="ja-JP" sz="1050" b="0" i="1" smtClean="0">
                                   <a:latin typeface="Cambria Math"/>
                                   <a:ea typeface="ＭＳ ゴシック" pitchFamily="49" charset="-128"/>
                                   <a:cs typeface="Courier New" pitchFamily="49" charset="0"/>
@@ -3021,7 +3034,7 @@
                         </m:oMath>
                       </m:oMathPara>
                     </a14:m>
-                    <a:endParaRPr lang="ja-JP" altLang="en-US" sz="1200">
+                    <a:endParaRPr lang="ja-JP" altLang="en-US" sz="1050">
                       <a:latin typeface="Courier New" pitchFamily="49" charset="0"/>
                       <a:ea typeface="ＭＳ ゴシック" pitchFamily="49" charset="-128"/>
                       <a:cs typeface="Courier New" pitchFamily="49" charset="0"/>
@@ -3030,7 +3043,7 @@
                 </p:txBody>
               </p:sp>
             </mc:Choice>
-            <mc:Fallback>
+            <mc:Fallback xmlns="">
               <p:sp>
                 <p:nvSpPr>
                   <p:cNvPr id="41" name="テキスト ボックス 40"/>
@@ -3048,7 +3061,7 @@
                     <a:avLst/>
                   </a:prstGeom>
                   <a:blipFill rotWithShape="1">
-                    <a:blip r:embed="rId8"/>
+                    <a:blip r:embed="rId9"/>
                     <a:stretch>
                       <a:fillRect/>
                     </a:stretch>
@@ -3093,7 +3106,7 @@
                   </a:prstGeom>
                   <a:ln w="6350">
                     <a:solidFill>
-                      <a:schemeClr val="tx1"/>
+                      <a:srgbClr val="000000"/>
                     </a:solidFill>
                   </a:ln>
                 </p:spPr>
@@ -3125,18 +3138,25 @@
                         </m:oMathParaPr>
                         <m:oMath xmlns:m="http://schemas.openxmlformats.org/officeDocument/2006/math">
                           <m:r>
-                            <a:rPr kumimoji="1" lang="en-US" altLang="ja-JP" sz="1200" b="0" i="1" smtClean="0">
+                            <m:rPr>
+                              <m:sty m:val="p"/>
+                            </m:rPr>
+                            <a:rPr kumimoji="1" lang="en-US" altLang="ja-JP" sz="1050" b="0" i="0" smtClean="0">
                               <a:solidFill>
                                 <a:schemeClr val="tx1"/>
                               </a:solidFill>
                               <a:latin typeface="Cambria Math"/>
                             </a:rPr>
-                            <m:t>𝐸𝑛𝑐</m:t>
+                            <m:t>Enc</m:t>
                           </m:r>
                         </m:oMath>
                       </m:oMathPara>
                     </a14:m>
-                    <a:endParaRPr kumimoji="1" lang="ja-JP" altLang="en-US"/>
+                    <a:endParaRPr kumimoji="1" lang="ja-JP" altLang="en-US" sz="1050">
+                      <a:solidFill>
+                        <a:schemeClr val="tx1"/>
+                      </a:solidFill>
+                    </a:endParaRPr>
                   </a:p>
                 </p:txBody>
               </p:sp>
@@ -3159,14 +3179,14 @@
                     <a:avLst/>
                   </a:prstGeom>
                   <a:blipFill rotWithShape="1">
-                    <a:blip r:embed="rId9"/>
+                    <a:blip r:embed="rId10"/>
                     <a:stretch>
-                      <a:fillRect l="-5000"/>
+                      <a:fillRect/>
                     </a:stretch>
                   </a:blipFill>
                   <a:ln w="6350">
                     <a:solidFill>
-                      <a:schemeClr val="tx1"/>
+                      <a:srgbClr val="000000"/>
                     </a:solidFill>
                   </a:ln>
                 </p:spPr>
@@ -3381,9 +3401,9 @@
         <p:grpSpPr>
           <a:xfrm>
             <a:off x="2469129" y="1485900"/>
-            <a:ext cx="752975" cy="1368152"/>
+            <a:ext cx="752975" cy="1345069"/>
             <a:chOff x="1317001" y="1557908"/>
-            <a:chExt cx="752975" cy="1368152"/>
+            <a:chExt cx="752975" cy="1345069"/>
           </a:xfrm>
         </p:grpSpPr>
         <p:grpSp>
@@ -3395,13 +3415,13 @@
           <p:grpSpPr>
             <a:xfrm>
               <a:off x="1516019" y="1557908"/>
-              <a:ext cx="553957" cy="1368152"/>
+              <a:ext cx="553957" cy="1345069"/>
               <a:chOff x="1516019" y="1557908"/>
-              <a:chExt cx="553957" cy="1368152"/>
+              <a:chExt cx="553957" cy="1345069"/>
             </a:xfrm>
           </p:grpSpPr>
-          <mc:AlternateContent xmlns:mc="http://schemas.openxmlformats.org/markup-compatibility/2006">
-            <mc:Choice xmlns:a14="http://schemas.microsoft.com/office/drawing/2010/main" Requires="a14">
+          <mc:AlternateContent xmlns:mc="http://schemas.openxmlformats.org/markup-compatibility/2006" xmlns:a14="http://schemas.microsoft.com/office/drawing/2010/main">
+            <mc:Choice Requires="a14">
               <p:sp>
                 <p:nvSpPr>
                   <p:cNvPr id="84" name="テキスト ボックス 83"/>
@@ -3411,7 +3431,7 @@
                 <p:spPr>
                   <a:xfrm>
                     <a:off x="1709936" y="1557908"/>
-                    <a:ext cx="327145" cy="228183"/>
+                    <a:ext cx="327145" cy="205100"/>
                   </a:xfrm>
                   <a:prstGeom prst="rect">
                     <a:avLst/>
@@ -3440,7 +3460,7 @@
                           <m:sSub>
                             <m:sSubPr>
                               <m:ctrlPr>
-                                <a:rPr lang="en-US" altLang="ja-JP" sz="1200" b="0" i="1" smtClean="0">
+                                <a:rPr lang="en-US" altLang="ja-JP" sz="1050" b="0" i="1" smtClean="0">
                                   <a:latin typeface="Cambria Math"/>
                                   <a:ea typeface="ＭＳ ゴシック" pitchFamily="49" charset="-128"/>
                                   <a:cs typeface="Courier New" pitchFamily="49" charset="0"/>
@@ -3449,7 +3469,7 @@
                             </m:sSubPr>
                             <m:e>
                               <m:r>
-                                <a:rPr lang="en-US" altLang="ja-JP" sz="1200" b="0" i="1" smtClean="0">
+                                <a:rPr lang="en-US" altLang="ja-JP" sz="1050" b="0" i="1" smtClean="0">
                                   <a:latin typeface="Cambria Math"/>
                                   <a:ea typeface="ＭＳ ゴシック" pitchFamily="49" charset="-128"/>
                                   <a:cs typeface="Courier New" pitchFamily="49" charset="0"/>
@@ -3459,7 +3479,7 @@
                             </m:e>
                             <m:sub>
                               <m:r>
-                                <a:rPr lang="en-US" altLang="ja-JP" sz="1200" b="0" i="1" smtClean="0">
+                                <a:rPr lang="en-US" altLang="ja-JP" sz="1050" b="0" i="1" smtClean="0">
                                   <a:latin typeface="Cambria Math"/>
                                   <a:ea typeface="ＭＳ ゴシック" pitchFamily="49" charset="-128"/>
                                   <a:cs typeface="Courier New" pitchFamily="49" charset="0"/>
@@ -3471,7 +3491,7 @@
                         </m:oMath>
                       </m:oMathPara>
                     </a14:m>
-                    <a:endParaRPr lang="ja-JP" altLang="en-US" sz="1200">
+                    <a:endParaRPr lang="ja-JP" altLang="en-US" sz="1050">
                       <a:latin typeface="Courier New" pitchFamily="49" charset="0"/>
                       <a:ea typeface="ＭＳ ゴシック" pitchFamily="49" charset="-128"/>
                       <a:cs typeface="Courier New" pitchFamily="49" charset="0"/>
@@ -3480,7 +3500,7 @@
                 </p:txBody>
               </p:sp>
             </mc:Choice>
-            <mc:Fallback>
+            <mc:Fallback xmlns="">
               <p:sp>
                 <p:nvSpPr>
                   <p:cNvPr id="84" name="テキスト ボックス 83"/>
@@ -3498,7 +3518,7 @@
                     <a:avLst/>
                   </a:prstGeom>
                   <a:blipFill rotWithShape="1">
-                    <a:blip r:embed="rId10"/>
+                    <a:blip r:embed="rId11"/>
                     <a:stretch>
                       <a:fillRect/>
                     </a:stretch>
@@ -3525,8 +3545,8 @@
               </p:sp>
             </mc:Fallback>
           </mc:AlternateContent>
-          <mc:AlternateContent xmlns:mc="http://schemas.openxmlformats.org/markup-compatibility/2006">
-            <mc:Choice xmlns:a14="http://schemas.microsoft.com/office/drawing/2010/main" Requires="a14">
+          <mc:AlternateContent xmlns:mc="http://schemas.openxmlformats.org/markup-compatibility/2006" xmlns:a14="http://schemas.microsoft.com/office/drawing/2010/main">
+            <mc:Choice Requires="a14">
               <p:sp>
                 <p:nvSpPr>
                   <p:cNvPr id="85" name="テキスト ボックス 84"/>
@@ -3536,7 +3556,7 @@
                 <p:spPr>
                   <a:xfrm>
                     <a:off x="1709936" y="1917948"/>
-                    <a:ext cx="327145" cy="228183"/>
+                    <a:ext cx="327145" cy="205100"/>
                   </a:xfrm>
                   <a:prstGeom prst="rect">
                     <a:avLst/>
@@ -3561,7 +3581,7 @@
                         </m:oMathParaPr>
                         <m:oMath xmlns:m="http://schemas.openxmlformats.org/officeDocument/2006/math">
                           <m:r>
-                            <a:rPr lang="en-US" altLang="ja-JP" sz="1200" b="0" i="1" smtClean="0">
+                            <a:rPr lang="en-US" altLang="ja-JP" sz="1050" b="0" i="1" smtClean="0">
                               <a:latin typeface="Cambria Math"/>
                               <a:ea typeface="ＭＳ ゴシック" pitchFamily="49" charset="-128"/>
                               <a:cs typeface="Courier New" pitchFamily="49" charset="0"/>
@@ -3571,7 +3591,7 @@
                         </m:oMath>
                       </m:oMathPara>
                     </a14:m>
-                    <a:endParaRPr lang="ja-JP" altLang="en-US" sz="1200">
+                    <a:endParaRPr lang="ja-JP" altLang="en-US" sz="1050">
                       <a:latin typeface="Courier New" pitchFamily="49" charset="0"/>
                       <a:ea typeface="ＭＳ ゴシック" pitchFamily="49" charset="-128"/>
                       <a:cs typeface="Courier New" pitchFamily="49" charset="0"/>
@@ -3580,7 +3600,7 @@
                 </p:txBody>
               </p:sp>
             </mc:Choice>
-            <mc:Fallback>
+            <mc:Fallback xmlns="">
               <p:sp>
                 <p:nvSpPr>
                   <p:cNvPr id="85" name="テキスト ボックス 84"/>
@@ -3598,7 +3618,7 @@
                     <a:avLst/>
                   </a:prstGeom>
                   <a:blipFill rotWithShape="1">
-                    <a:blip r:embed="rId11"/>
+                    <a:blip r:embed="rId12"/>
                     <a:stretch>
                       <a:fillRect b="-5405"/>
                     </a:stretch>
@@ -3660,8 +3680,8 @@
               </a:fontRef>
             </p:style>
           </p:cxnSp>
-          <mc:AlternateContent xmlns:mc="http://schemas.openxmlformats.org/markup-compatibility/2006">
-            <mc:Choice xmlns:a14="http://schemas.microsoft.com/office/drawing/2010/main" Requires="a14">
+          <mc:AlternateContent xmlns:mc="http://schemas.openxmlformats.org/markup-compatibility/2006" xmlns:a14="http://schemas.microsoft.com/office/drawing/2010/main">
+            <mc:Choice Requires="a14">
               <p:sp>
                 <p:nvSpPr>
                   <p:cNvPr id="87" name="テキスト ボックス 86"/>
@@ -3671,7 +3691,7 @@
                 <p:spPr>
                   <a:xfrm>
                     <a:off x="1705753" y="2697877"/>
-                    <a:ext cx="327145" cy="228183"/>
+                    <a:ext cx="327145" cy="205100"/>
                   </a:xfrm>
                   <a:prstGeom prst="rect">
                     <a:avLst/>
@@ -3700,7 +3720,7 @@
                           <m:sSub>
                             <m:sSubPr>
                               <m:ctrlPr>
-                                <a:rPr lang="en-US" altLang="ja-JP" sz="1200" b="0" i="1" smtClean="0">
+                                <a:rPr lang="en-US" altLang="ja-JP" sz="1050" b="0" i="1" smtClean="0">
                                   <a:latin typeface="Cambria Math"/>
                                   <a:ea typeface="ＭＳ ゴシック" pitchFamily="49" charset="-128"/>
                                   <a:cs typeface="Courier New" pitchFamily="49" charset="0"/>
@@ -3709,7 +3729,7 @@
                             </m:sSubPr>
                             <m:e>
                               <m:r>
-                                <a:rPr lang="en-US" altLang="ja-JP" sz="1200" b="0" i="1" smtClean="0">
+                                <a:rPr lang="en-US" altLang="ja-JP" sz="1050" b="0" i="1" smtClean="0">
                                   <a:latin typeface="Cambria Math"/>
                                   <a:ea typeface="ＭＳ ゴシック" pitchFamily="49" charset="-128"/>
                                   <a:cs typeface="Courier New" pitchFamily="49" charset="0"/>
@@ -3719,7 +3739,7 @@
                             </m:e>
                             <m:sub>
                               <m:r>
-                                <a:rPr lang="en-US" altLang="ja-JP" sz="1200" b="0" i="1" smtClean="0">
+                                <a:rPr lang="en-US" altLang="ja-JP" sz="1050" b="0" i="1" smtClean="0">
                                   <a:latin typeface="Cambria Math"/>
                                   <a:ea typeface="ＭＳ ゴシック" pitchFamily="49" charset="-128"/>
                                   <a:cs typeface="Courier New" pitchFamily="49" charset="0"/>
@@ -3731,7 +3751,7 @@
                         </m:oMath>
                       </m:oMathPara>
                     </a14:m>
-                    <a:endParaRPr lang="ja-JP" altLang="en-US" sz="1200">
+                    <a:endParaRPr lang="ja-JP" altLang="en-US" sz="1050">
                       <a:latin typeface="Courier New" pitchFamily="49" charset="0"/>
                       <a:ea typeface="ＭＳ ゴシック" pitchFamily="49" charset="-128"/>
                       <a:cs typeface="Courier New" pitchFamily="49" charset="0"/>
@@ -3740,7 +3760,7 @@
                 </p:txBody>
               </p:sp>
             </mc:Choice>
-            <mc:Fallback>
+            <mc:Fallback xmlns="">
               <p:sp>
                 <p:nvSpPr>
                   <p:cNvPr id="87" name="テキスト ボックス 86"/>
@@ -3758,7 +3778,7 @@
                     <a:avLst/>
                   </a:prstGeom>
                   <a:blipFill rotWithShape="1">
-                    <a:blip r:embed="rId12"/>
+                    <a:blip r:embed="rId13"/>
                     <a:stretch>
                       <a:fillRect/>
                     </a:stretch>
@@ -3835,18 +3855,25 @@
                         </m:oMathParaPr>
                         <m:oMath xmlns:m="http://schemas.openxmlformats.org/officeDocument/2006/math">
                           <m:r>
-                            <a:rPr kumimoji="1" lang="en-US" altLang="ja-JP" sz="1200" b="0" i="1" smtClean="0">
+                            <m:rPr>
+                              <m:sty m:val="p"/>
+                            </m:rPr>
+                            <a:rPr kumimoji="1" lang="en-US" altLang="ja-JP" sz="1050" b="0" i="0" smtClean="0">
                               <a:solidFill>
                                 <a:schemeClr val="tx1"/>
                               </a:solidFill>
                               <a:latin typeface="Cambria Math"/>
                             </a:rPr>
-                            <m:t>𝐸𝑛𝑐</m:t>
+                            <m:t>Enc</m:t>
                           </m:r>
                         </m:oMath>
                       </m:oMathPara>
                     </a14:m>
-                    <a:endParaRPr kumimoji="1" lang="ja-JP" altLang="en-US"/>
+                    <a:endParaRPr kumimoji="1" lang="ja-JP" altLang="en-US" sz="1050">
+                      <a:solidFill>
+                        <a:schemeClr val="tx1"/>
+                      </a:solidFill>
+                    </a:endParaRPr>
                   </a:p>
                 </p:txBody>
               </p:sp>
@@ -3869,9 +3896,9 @@
                     <a:avLst/>
                   </a:prstGeom>
                   <a:blipFill rotWithShape="1">
-                    <a:blip r:embed="rId13"/>
+                    <a:blip r:embed="rId14"/>
                     <a:stretch>
-                      <a:fillRect l="-3279"/>
+                      <a:fillRect/>
                     </a:stretch>
                   </a:blipFill>
                   <a:ln w="6350">
